--- a/课程ppt/第4讲 被动回复消息.pptx
+++ b/课程ppt/第4讲 被动回复消息.pptx
@@ -16,8 +16,8 @@
   </p:handoutMasterIdLst>
   <p:sldIdLst>
     <p:sldId id="257" r:id="rId6"/>
-    <p:sldId id="446" r:id="rId7"/>
-    <p:sldId id="454" r:id="rId8"/>
+    <p:sldId id="454" r:id="rId7"/>
+    <p:sldId id="446" r:id="rId8"/>
     <p:sldId id="451" r:id="rId9"/>
     <p:sldId id="459" r:id="rId10"/>
     <p:sldId id="462" r:id="rId11"/>
@@ -270,7 +270,7 @@
           <a:p>
             <a:fld id="{2B71C804-97F5-4B36-A7AC-EEEC7F44F6C2}" type="datetimeFigureOut">
               <a:rPr lang="zh-CN" altLang="en-US" smtClean="0"/>
-              <a:t>2017/8/22</a:t>
+              <a:t>2017/9/1</a:t>
             </a:fld>
             <a:endParaRPr lang="zh-CN" altLang="en-US"/>
           </a:p>
@@ -436,7 +436,7 @@
           <a:p>
             <a:fld id="{0568D9C6-D8DC-4CC3-8480-E0C4DBA1CC07}" type="datetimeFigureOut">
               <a:rPr lang="zh-CN" altLang="en-US" smtClean="0"/>
-              <a:t>2017/8/22</a:t>
+              <a:t>2017/9/1</a:t>
             </a:fld>
             <a:endParaRPr lang="zh-CN" altLang="en-US"/>
           </a:p>
@@ -1049,7 +1049,7 @@
           <a:p>
             <a:fld id="{DB9D664F-4C68-42D2-B189-678958EFAFDA}" type="datetime1">
               <a:rPr lang="zh-CN" altLang="en-US" smtClean="0"/>
-              <a:t>2017/8/22</a:t>
+              <a:t>2017/9/1</a:t>
             </a:fld>
             <a:endParaRPr lang="zh-CN" altLang="en-US"/>
           </a:p>
@@ -2031,7 +2031,7 @@
           <a:p>
             <a:fld id="{ED5513C8-E3A4-4D78-B249-887659A958FF}" type="datetime1">
               <a:rPr lang="en-US" altLang="zh-CN" smtClean="0"/>
-              <a:t>8/22/2017</a:t>
+              <a:t>9/1/2017</a:t>
             </a:fld>
             <a:endParaRPr lang="en-US"/>
           </a:p>
@@ -2209,7 +2209,7 @@
           <a:p>
             <a:fld id="{EBEDA52C-3EEE-4289-818C-901C0A7814FE}" type="datetime1">
               <a:rPr lang="en-US" altLang="zh-CN" smtClean="0"/>
-              <a:t>8/22/2017</a:t>
+              <a:t>9/1/2017</a:t>
             </a:fld>
             <a:endParaRPr lang="en-US"/>
           </a:p>
@@ -2463,7 +2463,7 @@
           <a:p>
             <a:fld id="{09EF5D7F-EA15-485C-85DD-8FDC010A62D4}" type="datetime1">
               <a:rPr lang="en-US" altLang="zh-CN" smtClean="0"/>
-              <a:t>8/22/2017</a:t>
+              <a:t>9/1/2017</a:t>
             </a:fld>
             <a:endParaRPr lang="en-US"/>
           </a:p>
@@ -2703,7 +2703,7 @@
           <a:p>
             <a:fld id="{9541C2B2-0BAB-4CD4-83EE-25F1A7138896}" type="datetime1">
               <a:rPr lang="en-US" altLang="zh-CN" smtClean="0"/>
-              <a:t>8/22/2017</a:t>
+              <a:t>9/1/2017</a:t>
             </a:fld>
             <a:endParaRPr lang="en-US"/>
           </a:p>
@@ -3078,7 +3078,7 @@
           <a:p>
             <a:fld id="{7DEA23E7-D0FC-41DC-8745-BE6FC447B182}" type="datetime1">
               <a:rPr lang="en-US" altLang="zh-CN" smtClean="0"/>
-              <a:t>8/22/2017</a:t>
+              <a:t>9/1/2017</a:t>
             </a:fld>
             <a:endParaRPr lang="en-US"/>
           </a:p>
@@ -3863,7 +3863,7 @@
           <a:p>
             <a:fld id="{5DEA8378-5F33-490B-8120-8DE6B7EE2781}" type="datetime1">
               <a:rPr lang="en-US" altLang="zh-CN" smtClean="0"/>
-              <a:t>8/22/2017</a:t>
+              <a:t>9/1/2017</a:t>
             </a:fld>
             <a:endParaRPr lang="en-US"/>
           </a:p>
@@ -4117,7 +4117,7 @@
           <a:p>
             <a:fld id="{38DD30CF-78A7-4C73-91B4-38D3E3317745}" type="datetime1">
               <a:rPr lang="en-US" altLang="zh-CN" smtClean="0"/>
-              <a:t>8/22/2017</a:t>
+              <a:t>9/1/2017</a:t>
             </a:fld>
             <a:endParaRPr lang="en-US"/>
           </a:p>
@@ -4220,7 +4220,7 @@
           <a:p>
             <a:fld id="{A1BE0A72-8501-4974-A7B7-5BD248ABBAFC}" type="datetime1">
               <a:rPr lang="zh-CN" altLang="en-US" smtClean="0"/>
-              <a:t>2017/8/22</a:t>
+              <a:t>2017/9/1</a:t>
             </a:fld>
             <a:endParaRPr lang="zh-CN" altLang="en-US"/>
           </a:p>
@@ -4481,7 +4481,7 @@
           <a:p>
             <a:fld id="{0B7E01DD-16D0-4DBA-9C1A-51468BA0B73A}" type="datetime1">
               <a:rPr lang="en-US" altLang="zh-CN" smtClean="0"/>
-              <a:t>8/22/2017</a:t>
+              <a:t>9/1/2017</a:t>
             </a:fld>
             <a:endParaRPr lang="en-US"/>
           </a:p>
@@ -4659,7 +4659,7 @@
           <a:p>
             <a:fld id="{B587E63F-0E62-4A50-901F-E071D77F7634}" type="datetime1">
               <a:rPr lang="en-US" altLang="zh-CN" smtClean="0"/>
-              <a:t>8/22/2017</a:t>
+              <a:t>9/1/2017</a:t>
             </a:fld>
             <a:endParaRPr lang="en-US"/>
           </a:p>
@@ -4847,7 +4847,7 @@
           <a:p>
             <a:fld id="{BD8521E8-9297-400B-AD8C-0A4D05699D33}" type="datetime1">
               <a:rPr lang="en-US" altLang="zh-CN" smtClean="0"/>
-              <a:t>8/22/2017</a:t>
+              <a:t>9/1/2017</a:t>
             </a:fld>
             <a:endParaRPr lang="en-US"/>
           </a:p>
@@ -5078,7 +5078,7 @@
           <a:p>
             <a:fld id="{ED5513C8-E3A4-4D78-B249-887659A958FF}" type="datetime1">
               <a:rPr lang="en-US" altLang="zh-CN" smtClean="0"/>
-              <a:t>8/22/2017</a:t>
+              <a:t>9/1/2017</a:t>
             </a:fld>
             <a:endParaRPr lang="en-US"/>
           </a:p>
@@ -5256,7 +5256,7 @@
           <a:p>
             <a:fld id="{EBEDA52C-3EEE-4289-818C-901C0A7814FE}" type="datetime1">
               <a:rPr lang="en-US" altLang="zh-CN" smtClean="0"/>
-              <a:t>8/22/2017</a:t>
+              <a:t>9/1/2017</a:t>
             </a:fld>
             <a:endParaRPr lang="en-US"/>
           </a:p>
@@ -5510,7 +5510,7 @@
           <a:p>
             <a:fld id="{09EF5D7F-EA15-485C-85DD-8FDC010A62D4}" type="datetime1">
               <a:rPr lang="en-US" altLang="zh-CN" smtClean="0"/>
-              <a:t>8/22/2017</a:t>
+              <a:t>9/1/2017</a:t>
             </a:fld>
             <a:endParaRPr lang="en-US"/>
           </a:p>
@@ -5750,7 +5750,7 @@
           <a:p>
             <a:fld id="{9541C2B2-0BAB-4CD4-83EE-25F1A7138896}" type="datetime1">
               <a:rPr lang="en-US" altLang="zh-CN" smtClean="0"/>
-              <a:t>8/22/2017</a:t>
+              <a:t>9/1/2017</a:t>
             </a:fld>
             <a:endParaRPr lang="en-US"/>
           </a:p>
@@ -6125,7 +6125,7 @@
           <a:p>
             <a:fld id="{7DEA23E7-D0FC-41DC-8745-BE6FC447B182}" type="datetime1">
               <a:rPr lang="en-US" altLang="zh-CN" smtClean="0"/>
-              <a:t>8/22/2017</a:t>
+              <a:t>9/1/2017</a:t>
             </a:fld>
             <a:endParaRPr lang="en-US"/>
           </a:p>
@@ -6910,7 +6910,7 @@
           <a:p>
             <a:fld id="{A1BE0A72-8501-4974-A7B7-5BD248ABBAFC}" type="datetime1">
               <a:rPr lang="zh-CN" altLang="en-US" smtClean="0"/>
-              <a:t>2017/8/22</a:t>
+              <a:t>2017/9/1</a:t>
             </a:fld>
             <a:endParaRPr lang="zh-CN" altLang="en-US"/>
           </a:p>
@@ -6963,7 +6963,7 @@
           <a:p>
             <a:fld id="{5DEA8378-5F33-490B-8120-8DE6B7EE2781}" type="datetime1">
               <a:rPr lang="en-US" altLang="zh-CN" smtClean="0"/>
-              <a:t>8/22/2017</a:t>
+              <a:t>9/1/2017</a:t>
             </a:fld>
             <a:endParaRPr lang="en-US"/>
           </a:p>
@@ -7217,7 +7217,7 @@
           <a:p>
             <a:fld id="{38DD30CF-78A7-4C73-91B4-38D3E3317745}" type="datetime1">
               <a:rPr lang="en-US" altLang="zh-CN" smtClean="0"/>
-              <a:t>8/22/2017</a:t>
+              <a:t>9/1/2017</a:t>
             </a:fld>
             <a:endParaRPr lang="en-US"/>
           </a:p>
@@ -7482,7 +7482,7 @@
           <a:p>
             <a:fld id="{0B7E01DD-16D0-4DBA-9C1A-51468BA0B73A}" type="datetime1">
               <a:rPr lang="en-US" altLang="zh-CN" smtClean="0"/>
-              <a:t>8/22/2017</a:t>
+              <a:t>9/1/2017</a:t>
             </a:fld>
             <a:endParaRPr lang="en-US"/>
           </a:p>
@@ -7660,7 +7660,7 @@
           <a:p>
             <a:fld id="{B587E63F-0E62-4A50-901F-E071D77F7634}" type="datetime1">
               <a:rPr lang="en-US" altLang="zh-CN" smtClean="0"/>
-              <a:t>8/22/2017</a:t>
+              <a:t>9/1/2017</a:t>
             </a:fld>
             <a:endParaRPr lang="en-US"/>
           </a:p>
@@ -7848,7 +7848,7 @@
           <a:p>
             <a:fld id="{BD8521E8-9297-400B-AD8C-0A4D05699D33}" type="datetime1">
               <a:rPr lang="en-US" altLang="zh-CN" smtClean="0"/>
-              <a:t>8/22/2017</a:t>
+              <a:t>9/1/2017</a:t>
             </a:fld>
             <a:endParaRPr lang="en-US"/>
           </a:p>
@@ -7951,7 +7951,7 @@
           <a:p>
             <a:fld id="{EF452D9C-F9EB-4417-9C3A-C876C2AF9415}" type="datetime1">
               <a:rPr lang="zh-CN" altLang="en-US" smtClean="0"/>
-              <a:t>2017/8/22</a:t>
+              <a:t>2017/9/1</a:t>
             </a:fld>
             <a:endParaRPr lang="zh-CN" altLang="en-US"/>
           </a:p>
@@ -8137,7 +8137,7 @@
           <a:p>
             <a:fld id="{2F2E9289-9B4C-49AE-BDDA-70D6EDC89D17}" type="datetime1">
               <a:rPr lang="zh-CN" altLang="en-US" smtClean="0"/>
-              <a:t>2017/8/22</a:t>
+              <a:t>2017/9/1</a:t>
             </a:fld>
             <a:endParaRPr lang="zh-CN" altLang="en-US"/>
           </a:p>
@@ -8307,7 +8307,7 @@
           <a:p>
             <a:fld id="{2F2E9289-9B4C-49AE-BDDA-70D6EDC89D17}" type="datetime1">
               <a:rPr lang="zh-CN" altLang="en-US" smtClean="0"/>
-              <a:t>2017/8/22</a:t>
+              <a:t>2017/9/1</a:t>
             </a:fld>
             <a:endParaRPr lang="zh-CN" altLang="en-US"/>
           </a:p>
@@ -8543,7 +8543,7 @@
           <a:p>
             <a:fld id="{8C5BA751-A251-47D6-8494-C134D9EBED5F}" type="datetime1">
               <a:rPr lang="zh-CN" altLang="en-US" smtClean="0"/>
-              <a:t>2017/8/22</a:t>
+              <a:t>2017/9/1</a:t>
             </a:fld>
             <a:endParaRPr lang="zh-CN" altLang="en-US"/>
           </a:p>
@@ -8899,7 +8899,7 @@
           <a:p>
             <a:fld id="{C46E2078-F302-4651-A2A2-2FC6C4E1A3F1}" type="datetime1">
               <a:rPr lang="zh-CN" altLang="en-US" smtClean="0"/>
-              <a:t>2017/8/22</a:t>
+              <a:t>2017/9/1</a:t>
             </a:fld>
             <a:endParaRPr lang="zh-CN" altLang="en-US"/>
           </a:p>
@@ -9021,7 +9021,7 @@
               <a:pPr>
                 <a:defRPr/>
               </a:pPr>
-              <a:t>2017/8/22</a:t>
+              <a:t>2017/9/1</a:t>
             </a:fld>
             <a:endParaRPr lang="zh-CN" altLang="en-US"/>
           </a:p>
@@ -9169,7 +9169,7 @@
           <a:p>
             <a:fld id="{A1BE0A72-8501-4974-A7B7-5BD248ABBAFC}" type="datetime1">
               <a:rPr lang="zh-CN" altLang="en-US" smtClean="0"/>
-              <a:t>2017/8/22</a:t>
+              <a:t>2017/9/1</a:t>
             </a:fld>
             <a:endParaRPr lang="zh-CN" altLang="en-US"/>
           </a:p>
@@ -9683,7 +9683,7 @@
           <a:p>
             <a:fld id="{A1BE0A72-8501-4974-A7B7-5BD248ABBAFC}" type="datetime1">
               <a:rPr lang="zh-CN" altLang="en-US" smtClean="0"/>
-              <a:t>2017/8/22</a:t>
+              <a:t>2017/9/1</a:t>
             </a:fld>
             <a:endParaRPr lang="zh-CN" altLang="en-US"/>
           </a:p>
@@ -10289,7 +10289,7 @@
           <a:p>
             <a:fld id="{7A78726F-0AD2-4A20-BC72-263D2D3F3A2F}" type="datetime1">
               <a:rPr lang="en-US" altLang="zh-CN" smtClean="0"/>
-              <a:t>8/22/2017</a:t>
+              <a:t>9/1/2017</a:t>
             </a:fld>
             <a:endParaRPr lang="en-US"/>
           </a:p>
@@ -11270,7 +11270,7 @@
           <a:p>
             <a:fld id="{A1BE0A72-8501-4974-A7B7-5BD248ABBAFC}" type="datetime1">
               <a:rPr lang="zh-CN" altLang="en-US" smtClean="0"/>
-              <a:t>2017/8/22</a:t>
+              <a:t>2017/9/1</a:t>
             </a:fld>
             <a:endParaRPr lang="zh-CN" altLang="en-US"/>
           </a:p>
@@ -11876,7 +11876,7 @@
           <a:p>
             <a:fld id="{7A78726F-0AD2-4A20-BC72-263D2D3F3A2F}" type="datetime1">
               <a:rPr lang="en-US" altLang="zh-CN" smtClean="0"/>
-              <a:t>8/22/2017</a:t>
+              <a:t>9/1/2017</a:t>
             </a:fld>
             <a:endParaRPr lang="en-US"/>
           </a:p>
@@ -16058,21 +16058,21 @@
           <a:p>
             <a:r>
               <a:rPr lang="zh-CN" altLang="en-US" b="0" dirty="0"/>
-              <a:t>本次课程目录</a:t>
-            </a:r>
-          </a:p>
-        </p:txBody>
-      </p:sp>
-      <p:sp>
-        <p:nvSpPr>
-          <p:cNvPr id="4" name="文本框 3"/>
+              <a:t>课程概要</a:t>
+            </a:r>
+          </a:p>
+        </p:txBody>
+      </p:sp>
+      <p:sp>
+        <p:nvSpPr>
+          <p:cNvPr id="3" name="文本框 2"/>
           <p:cNvSpPr txBox="1"/>
           <p:nvPr/>
         </p:nvSpPr>
         <p:spPr>
           <a:xfrm>
-            <a:off x="4058444" y="2343152"/>
-            <a:ext cx="5385594" cy="2196883"/>
+            <a:off x="1200150" y="1857375"/>
+            <a:ext cx="8120831" cy="1938992"/>
           </a:xfrm>
           <a:prstGeom prst="rect">
             <a:avLst/>
@@ -16085,120 +16085,109 @@
           </a:bodyPr>
           <a:lstStyle/>
           <a:p>
-            <a:pPr marL="514350" indent="-514350">
+            <a:pPr marL="285750" indent="-285750">
               <a:lnSpc>
-                <a:spcPct val="200000"/>
+                <a:spcPct val="150000"/>
               </a:lnSpc>
-              <a:buFont typeface="+mj-ea"/>
-              <a:buAutoNum type="ea1JpnChsDbPeriod"/>
+              <a:buFont typeface="Arial" panose="020B0604020202020204" pitchFamily="34" charset="0"/>
+              <a:buChar char="•"/>
             </a:pPr>
             <a:r>
-              <a:rPr lang="en-US" altLang="zh-CN" sz="2400" dirty="0">
-                <a:solidFill>
-                  <a:schemeClr val="tx1">
-                    <a:lumMod val="65000"/>
-                    <a:lumOff val="35000"/>
-                  </a:schemeClr>
-                </a:solidFill>
+              <a:rPr lang="zh-CN" altLang="en-US" sz="2000" dirty="0">
+                <a:latin typeface="微软雅黑" panose="020B0503020204020204" pitchFamily="34" charset="-122"/>
+                <a:ea typeface="微软雅黑" panose="020B0503020204020204" pitchFamily="34" charset="-122"/>
+              </a:rPr>
+              <a:t>首先讲解</a:t>
+            </a:r>
+            <a:r>
+              <a:rPr lang="en-US" altLang="zh-CN" sz="2000" dirty="0">
                 <a:latin typeface="微软雅黑" panose="020B0503020204020204" pitchFamily="34" charset="-122"/>
                 <a:ea typeface="微软雅黑" panose="020B0503020204020204" pitchFamily="34" charset="-122"/>
               </a:rPr>
               <a:t>XML</a:t>
             </a:r>
             <a:r>
-              <a:rPr lang="zh-CN" altLang="en-US" sz="2400" dirty="0">
-                <a:solidFill>
-                  <a:schemeClr val="tx1">
-                    <a:lumMod val="65000"/>
-                    <a:lumOff val="35000"/>
-                  </a:schemeClr>
-                </a:solidFill>
-                <a:latin typeface="微软雅黑" panose="020B0503020204020204" pitchFamily="34" charset="-122"/>
-                <a:ea typeface="微软雅黑" panose="020B0503020204020204" pitchFamily="34" charset="-122"/>
-              </a:rPr>
-              <a:t>解析</a:t>
-            </a:r>
-            <a:endParaRPr lang="en-US" altLang="zh-CN" sz="2400" dirty="0">
-              <a:solidFill>
-                <a:schemeClr val="tx1">
-                  <a:lumMod val="65000"/>
-                  <a:lumOff val="35000"/>
-                </a:schemeClr>
-              </a:solidFill>
+              <a:rPr lang="zh-CN" altLang="en-US" sz="2000" dirty="0">
+                <a:latin typeface="微软雅黑" panose="020B0503020204020204" pitchFamily="34" charset="-122"/>
+                <a:ea typeface="微软雅黑" panose="020B0503020204020204" pitchFamily="34" charset="-122"/>
+              </a:rPr>
+              <a:t>的基础知识。</a:t>
+            </a:r>
+            <a:endParaRPr lang="en-US" altLang="zh-CN" sz="2000" dirty="0">
               <a:latin typeface="微软雅黑" panose="020B0503020204020204" pitchFamily="34" charset="-122"/>
               <a:ea typeface="微软雅黑" panose="020B0503020204020204" pitchFamily="34" charset="-122"/>
             </a:endParaRPr>
           </a:p>
           <a:p>
-            <a:pPr marL="514350" indent="-514350">
+            <a:pPr marL="285750" indent="-285750">
               <a:lnSpc>
-                <a:spcPct val="200000"/>
+                <a:spcPct val="150000"/>
               </a:lnSpc>
-              <a:buFont typeface="+mj-ea"/>
-              <a:buAutoNum type="ea1JpnChsDbPeriod"/>
+              <a:buFont typeface="Arial" panose="020B0604020202020204" pitchFamily="34" charset="0"/>
+              <a:buChar char="•"/>
             </a:pPr>
             <a:r>
-              <a:rPr lang="zh-CN" altLang="en-US" sz="2400" dirty="0">
-                <a:solidFill>
-                  <a:schemeClr val="tx1">
-                    <a:lumMod val="65000"/>
-                    <a:lumOff val="35000"/>
-                  </a:schemeClr>
-                </a:solidFill>
-                <a:latin typeface="微软雅黑" panose="020B0503020204020204" pitchFamily="34" charset="-122"/>
-                <a:ea typeface="微软雅黑" panose="020B0503020204020204" pitchFamily="34" charset="-122"/>
-              </a:rPr>
-              <a:t>接收并回复消息</a:t>
-            </a:r>
-            <a:endParaRPr lang="en-US" altLang="zh-CN" sz="2400" dirty="0">
-              <a:solidFill>
-                <a:schemeClr val="tx1">
-                  <a:lumMod val="65000"/>
-                  <a:lumOff val="35000"/>
-                </a:schemeClr>
-              </a:solidFill>
+              <a:rPr lang="zh-CN" altLang="en-US" sz="2000" dirty="0">
+                <a:latin typeface="微软雅黑" panose="020B0503020204020204" pitchFamily="34" charset="-122"/>
+                <a:ea typeface="微软雅黑" panose="020B0503020204020204" pitchFamily="34" charset="-122"/>
+              </a:rPr>
+              <a:t>在有了</a:t>
+            </a:r>
+            <a:r>
+              <a:rPr lang="en-US" altLang="zh-CN" sz="2000" dirty="0">
+                <a:latin typeface="微软雅黑" panose="020B0503020204020204" pitchFamily="34" charset="-122"/>
+                <a:ea typeface="微软雅黑" panose="020B0503020204020204" pitchFamily="34" charset="-122"/>
+              </a:rPr>
+              <a:t>XML</a:t>
+            </a:r>
+            <a:r>
+              <a:rPr lang="zh-CN" altLang="en-US" sz="2000" dirty="0">
+                <a:latin typeface="微软雅黑" panose="020B0503020204020204" pitchFamily="34" charset="-122"/>
+                <a:ea typeface="微软雅黑" panose="020B0503020204020204" pitchFamily="34" charset="-122"/>
+              </a:rPr>
+              <a:t>的基础之后，讲解</a:t>
+            </a:r>
+            <a:r>
+              <a:rPr lang="en-US" altLang="zh-CN" sz="2000" dirty="0">
+                <a:latin typeface="微软雅黑" panose="020B0503020204020204" pitchFamily="34" charset="-122"/>
+                <a:ea typeface="微软雅黑" panose="020B0503020204020204" pitchFamily="34" charset="-122"/>
+              </a:rPr>
+              <a:t>XML</a:t>
+            </a:r>
+            <a:r>
+              <a:rPr lang="zh-CN" altLang="en-US" sz="2000" dirty="0">
+                <a:latin typeface="微软雅黑" panose="020B0503020204020204" pitchFamily="34" charset="-122"/>
+                <a:ea typeface="微软雅黑" panose="020B0503020204020204" pitchFamily="34" charset="-122"/>
+              </a:rPr>
+              <a:t>格式的微信消息，以文本消息格式为例讲解如何回复消息。</a:t>
+            </a:r>
+            <a:endParaRPr lang="en-US" altLang="zh-CN" sz="2000" dirty="0">
               <a:latin typeface="微软雅黑" panose="020B0503020204020204" pitchFamily="34" charset="-122"/>
               <a:ea typeface="微软雅黑" panose="020B0503020204020204" pitchFamily="34" charset="-122"/>
             </a:endParaRPr>
           </a:p>
           <a:p>
-            <a:pPr marL="514350" indent="-514350">
+            <a:pPr marL="285750" indent="-285750">
               <a:lnSpc>
-                <a:spcPct val="200000"/>
+                <a:spcPct val="150000"/>
               </a:lnSpc>
-              <a:buFont typeface="+mj-ea"/>
-              <a:buAutoNum type="ea1JpnChsDbPeriod"/>
+              <a:buFont typeface="Arial" panose="020B0604020202020204" pitchFamily="34" charset="0"/>
+              <a:buChar char="•"/>
             </a:pPr>
             <a:r>
-              <a:rPr lang="zh-CN" altLang="en-US" sz="2400" dirty="0">
-                <a:solidFill>
-                  <a:schemeClr val="tx1">
-                    <a:lumMod val="65000"/>
-                    <a:lumOff val="35000"/>
-                  </a:schemeClr>
-                </a:solidFill>
-                <a:latin typeface="微软雅黑" panose="020B0503020204020204" pitchFamily="34" charset="-122"/>
-                <a:ea typeface="微软雅黑" panose="020B0503020204020204" pitchFamily="34" charset="-122"/>
-              </a:rPr>
-              <a:t>消息加密处理</a:t>
-            </a:r>
-            <a:endParaRPr lang="en-US" altLang="zh-CN" sz="2400" dirty="0">
-              <a:solidFill>
-                <a:schemeClr val="tx1">
-                  <a:lumMod val="65000"/>
-                  <a:lumOff val="35000"/>
-                </a:schemeClr>
-              </a:solidFill>
-              <a:latin typeface="微软雅黑" panose="020B0503020204020204" pitchFamily="34" charset="-122"/>
-              <a:ea typeface="微软雅黑" panose="020B0503020204020204" pitchFamily="34" charset="-122"/>
-            </a:endParaRPr>
+              <a:rPr lang="zh-CN" altLang="en-US" sz="2000" dirty="0">
+                <a:latin typeface="微软雅黑" panose="020B0503020204020204" pitchFamily="34" charset="-122"/>
+                <a:ea typeface="微软雅黑" panose="020B0503020204020204" pitchFamily="34" charset="-122"/>
+              </a:rPr>
+              <a:t>在已经实现被动回复消息的基础上，实现消息加密解密的功能</a:t>
+            </a:r>
           </a:p>
         </p:txBody>
       </p:sp>
     </p:spTree>
     <p:extLst>
       <p:ext uri="{BB962C8B-B14F-4D97-AF65-F5344CB8AC3E}">
-        <p14:creationId xmlns:p14="http://schemas.microsoft.com/office/powerpoint/2010/main" val="714534542"/>
+        <p14:creationId xmlns:p14="http://schemas.microsoft.com/office/powerpoint/2010/main" val="947354603"/>
       </p:ext>
     </p:extLst>
   </p:cSld>
@@ -16943,21 +16932,21 @@
           <a:p>
             <a:r>
               <a:rPr lang="zh-CN" altLang="en-US" b="0" dirty="0"/>
-              <a:t>课程概要</a:t>
-            </a:r>
-          </a:p>
-        </p:txBody>
-      </p:sp>
-      <p:sp>
-        <p:nvSpPr>
-          <p:cNvPr id="3" name="文本框 2"/>
+              <a:t>本次课程目录</a:t>
+            </a:r>
+          </a:p>
+        </p:txBody>
+      </p:sp>
+      <p:sp>
+        <p:nvSpPr>
+          <p:cNvPr id="4" name="文本框 3"/>
           <p:cNvSpPr txBox="1"/>
           <p:nvPr/>
         </p:nvSpPr>
         <p:spPr>
           <a:xfrm>
-            <a:off x="1200150" y="1857375"/>
-            <a:ext cx="10215563" cy="1938992"/>
+            <a:off x="4058444" y="2343152"/>
+            <a:ext cx="5385594" cy="2196883"/>
           </a:xfrm>
           <a:prstGeom prst="rect">
             <a:avLst/>
@@ -16970,123 +16959,120 @@
           </a:bodyPr>
           <a:lstStyle/>
           <a:p>
-            <a:pPr marL="285750" indent="-285750">
+            <a:pPr marL="514350" indent="-514350">
               <a:lnSpc>
-                <a:spcPct val="150000"/>
+                <a:spcPct val="200000"/>
               </a:lnSpc>
-              <a:buFont typeface="Arial" panose="020B0604020202020204" pitchFamily="34" charset="0"/>
-              <a:buChar char="•"/>
+              <a:buFont typeface="+mj-ea"/>
+              <a:buAutoNum type="ea1JpnChsDbPeriod"/>
             </a:pPr>
             <a:r>
-              <a:rPr lang="zh-CN" altLang="en-US" sz="2000" dirty="0">
-                <a:latin typeface="微软雅黑" panose="020B0503020204020204" pitchFamily="34" charset="-122"/>
-                <a:ea typeface="微软雅黑" panose="020B0503020204020204" pitchFamily="34" charset="-122"/>
-              </a:rPr>
-              <a:t>首先讲解</a:t>
-            </a:r>
-            <a:r>
-              <a:rPr lang="en-US" altLang="zh-CN" sz="2000" dirty="0">
+              <a:rPr lang="en-US" altLang="zh-CN" sz="2400" dirty="0">
+                <a:solidFill>
+                  <a:schemeClr val="tx1">
+                    <a:lumMod val="65000"/>
+                    <a:lumOff val="35000"/>
+                  </a:schemeClr>
+                </a:solidFill>
                 <a:latin typeface="微软雅黑" panose="020B0503020204020204" pitchFamily="34" charset="-122"/>
                 <a:ea typeface="微软雅黑" panose="020B0503020204020204" pitchFamily="34" charset="-122"/>
               </a:rPr>
               <a:t>XML</a:t>
             </a:r>
             <a:r>
-              <a:rPr lang="zh-CN" altLang="en-US" sz="2000" dirty="0">
-                <a:latin typeface="微软雅黑" panose="020B0503020204020204" pitchFamily="34" charset="-122"/>
-                <a:ea typeface="微软雅黑" panose="020B0503020204020204" pitchFamily="34" charset="-122"/>
-              </a:rPr>
-              <a:t>的基础知识，微信消息就是</a:t>
-            </a:r>
-            <a:r>
-              <a:rPr lang="en-US" altLang="zh-CN" sz="2000" dirty="0">
-                <a:latin typeface="微软雅黑" panose="020B0503020204020204" pitchFamily="34" charset="-122"/>
-                <a:ea typeface="微软雅黑" panose="020B0503020204020204" pitchFamily="34" charset="-122"/>
-              </a:rPr>
-              <a:t>XML</a:t>
-            </a:r>
-            <a:r>
-              <a:rPr lang="zh-CN" altLang="en-US" sz="2000" dirty="0">
-                <a:latin typeface="微软雅黑" panose="020B0503020204020204" pitchFamily="34" charset="-122"/>
-                <a:ea typeface="微软雅黑" panose="020B0503020204020204" pitchFamily="34" charset="-122"/>
-              </a:rPr>
-              <a:t>格式的。</a:t>
-            </a:r>
-            <a:endParaRPr lang="en-US" altLang="zh-CN" sz="2000" dirty="0">
+              <a:rPr lang="zh-CN" altLang="en-US" sz="2400" dirty="0">
+                <a:solidFill>
+                  <a:schemeClr val="tx1">
+                    <a:lumMod val="65000"/>
+                    <a:lumOff val="35000"/>
+                  </a:schemeClr>
+                </a:solidFill>
+                <a:latin typeface="微软雅黑" panose="020B0503020204020204" pitchFamily="34" charset="-122"/>
+                <a:ea typeface="微软雅黑" panose="020B0503020204020204" pitchFamily="34" charset="-122"/>
+              </a:rPr>
+              <a:t>解析</a:t>
+            </a:r>
+            <a:endParaRPr lang="en-US" altLang="zh-CN" sz="2400" dirty="0">
+              <a:solidFill>
+                <a:schemeClr val="tx1">
+                  <a:lumMod val="65000"/>
+                  <a:lumOff val="35000"/>
+                </a:schemeClr>
+              </a:solidFill>
               <a:latin typeface="微软雅黑" panose="020B0503020204020204" pitchFamily="34" charset="-122"/>
               <a:ea typeface="微软雅黑" panose="020B0503020204020204" pitchFamily="34" charset="-122"/>
             </a:endParaRPr>
           </a:p>
           <a:p>
-            <a:pPr marL="285750" indent="-285750">
+            <a:pPr marL="514350" indent="-514350">
               <a:lnSpc>
-                <a:spcPct val="150000"/>
+                <a:spcPct val="200000"/>
               </a:lnSpc>
-              <a:buFont typeface="Arial" panose="020B0604020202020204" pitchFamily="34" charset="0"/>
-              <a:buChar char="•"/>
+              <a:buFont typeface="+mj-ea"/>
+              <a:buAutoNum type="ea1JpnChsDbPeriod"/>
             </a:pPr>
             <a:r>
-              <a:rPr lang="zh-CN" altLang="en-US" sz="2000" dirty="0">
-                <a:latin typeface="微软雅黑" panose="020B0503020204020204" pitchFamily="34" charset="-122"/>
-                <a:ea typeface="微软雅黑" panose="020B0503020204020204" pitchFamily="34" charset="-122"/>
-              </a:rPr>
-              <a:t>在有了</a:t>
-            </a:r>
-            <a:r>
-              <a:rPr lang="en-US" altLang="zh-CN" sz="2000" dirty="0">
-                <a:latin typeface="微软雅黑" panose="020B0503020204020204" pitchFamily="34" charset="-122"/>
-                <a:ea typeface="微软雅黑" panose="020B0503020204020204" pitchFamily="34" charset="-122"/>
-              </a:rPr>
-              <a:t>XML</a:t>
-            </a:r>
-            <a:r>
-              <a:rPr lang="zh-CN" altLang="en-US" sz="2000" dirty="0">
-                <a:latin typeface="微软雅黑" panose="020B0503020204020204" pitchFamily="34" charset="-122"/>
-                <a:ea typeface="微软雅黑" panose="020B0503020204020204" pitchFamily="34" charset="-122"/>
-              </a:rPr>
-              <a:t>的基础之后，讲解</a:t>
-            </a:r>
-            <a:r>
-              <a:rPr lang="en-US" altLang="zh-CN" sz="2000" dirty="0">
-                <a:latin typeface="微软雅黑" panose="020B0503020204020204" pitchFamily="34" charset="-122"/>
-                <a:ea typeface="微软雅黑" panose="020B0503020204020204" pitchFamily="34" charset="-122"/>
-              </a:rPr>
-              <a:t>XML</a:t>
-            </a:r>
-            <a:r>
-              <a:rPr lang="zh-CN" altLang="en-US" sz="2000" dirty="0">
-                <a:latin typeface="微软雅黑" panose="020B0503020204020204" pitchFamily="34" charset="-122"/>
-                <a:ea typeface="微软雅黑" panose="020B0503020204020204" pitchFamily="34" charset="-122"/>
-              </a:rPr>
-              <a:t>格式的微信消息，以文本消息格式为例讲解如何回复消息</a:t>
-            </a:r>
-            <a:endParaRPr lang="en-US" altLang="zh-CN" sz="2000" dirty="0">
+              <a:rPr lang="zh-CN" altLang="en-US" sz="2400" dirty="0">
+                <a:solidFill>
+                  <a:schemeClr val="tx1">
+                    <a:lumMod val="65000"/>
+                    <a:lumOff val="35000"/>
+                  </a:schemeClr>
+                </a:solidFill>
+                <a:latin typeface="微软雅黑" panose="020B0503020204020204" pitchFamily="34" charset="-122"/>
+                <a:ea typeface="微软雅黑" panose="020B0503020204020204" pitchFamily="34" charset="-122"/>
+              </a:rPr>
+              <a:t>接收并回复消息</a:t>
+            </a:r>
+            <a:endParaRPr lang="en-US" altLang="zh-CN" sz="2400" dirty="0">
+              <a:solidFill>
+                <a:schemeClr val="tx1">
+                  <a:lumMod val="65000"/>
+                  <a:lumOff val="35000"/>
+                </a:schemeClr>
+              </a:solidFill>
               <a:latin typeface="微软雅黑" panose="020B0503020204020204" pitchFamily="34" charset="-122"/>
               <a:ea typeface="微软雅黑" panose="020B0503020204020204" pitchFamily="34" charset="-122"/>
             </a:endParaRPr>
           </a:p>
           <a:p>
-            <a:pPr marL="285750" indent="-285750">
+            <a:pPr marL="514350" indent="-514350">
               <a:lnSpc>
-                <a:spcPct val="150000"/>
+                <a:spcPct val="200000"/>
               </a:lnSpc>
-              <a:buFont typeface="Arial" panose="020B0604020202020204" pitchFamily="34" charset="0"/>
-              <a:buChar char="•"/>
+              <a:buFont typeface="+mj-ea"/>
+              <a:buAutoNum type="ea1JpnChsDbPeriod"/>
             </a:pPr>
             <a:r>
-              <a:rPr lang="zh-CN" altLang="en-US" sz="2000" dirty="0">
-                <a:latin typeface="微软雅黑" panose="020B0503020204020204" pitchFamily="34" charset="-122"/>
-                <a:ea typeface="微软雅黑" panose="020B0503020204020204" pitchFamily="34" charset="-122"/>
-              </a:rPr>
-              <a:t>在已经实现被动回复消息的基础上，实现消息加密解密的功能</a:t>
-            </a:r>
+              <a:rPr lang="zh-CN" altLang="en-US" sz="2400" dirty="0">
+                <a:solidFill>
+                  <a:schemeClr val="tx1">
+                    <a:lumMod val="65000"/>
+                    <a:lumOff val="35000"/>
+                  </a:schemeClr>
+                </a:solidFill>
+                <a:latin typeface="微软雅黑" panose="020B0503020204020204" pitchFamily="34" charset="-122"/>
+                <a:ea typeface="微软雅黑" panose="020B0503020204020204" pitchFamily="34" charset="-122"/>
+              </a:rPr>
+              <a:t>消息加密处理</a:t>
+            </a:r>
+            <a:endParaRPr lang="en-US" altLang="zh-CN" sz="2400" dirty="0">
+              <a:solidFill>
+                <a:schemeClr val="tx1">
+                  <a:lumMod val="65000"/>
+                  <a:lumOff val="35000"/>
+                </a:schemeClr>
+              </a:solidFill>
+              <a:latin typeface="微软雅黑" panose="020B0503020204020204" pitchFamily="34" charset="-122"/>
+              <a:ea typeface="微软雅黑" panose="020B0503020204020204" pitchFamily="34" charset="-122"/>
+            </a:endParaRPr>
           </a:p>
         </p:txBody>
       </p:sp>
     </p:spTree>
     <p:extLst>
       <p:ext uri="{BB962C8B-B14F-4D97-AF65-F5344CB8AC3E}">
-        <p14:creationId xmlns:p14="http://schemas.microsoft.com/office/powerpoint/2010/main" val="947354603"/>
+        <p14:creationId xmlns:p14="http://schemas.microsoft.com/office/powerpoint/2010/main" val="714534542"/>
       </p:ext>
     </p:extLst>
   </p:cSld>
